--- a/python_dashboards.pptx
+++ b/python_dashboards.pptx
@@ -112,6 +112,11 @@
       </a:defRPr>
     </a:lvl9pPr>
   </p:defaultTextStyle>
+  <p:extLst>
+    <p:ext uri="{EFAFB233-063F-42B5-8137-9DF3F51BA10A}">
+      <p15:sldGuideLst xmlns:p15="http://schemas.microsoft.com/office/powerpoint/2012/main"/>
+    </p:ext>
+  </p:extLst>
 </p:presentation>
 </file>
 
@@ -264,7 +269,7 @@
           <a:p>
             <a:fld id="{CE92E3B1-01F2-49CF-99E4-33D1FD180D62}" type="datetimeFigureOut">
               <a:rPr lang="LID4096" smtClean="0"/>
-              <a:t>12/19/2022</a:t>
+              <a:t>12/20/2022</a:t>
             </a:fld>
             <a:endParaRPr lang="LID4096"/>
           </a:p>
@@ -464,7 +469,7 @@
           <a:p>
             <a:fld id="{CE92E3B1-01F2-49CF-99E4-33D1FD180D62}" type="datetimeFigureOut">
               <a:rPr lang="LID4096" smtClean="0"/>
-              <a:t>12/19/2022</a:t>
+              <a:t>12/20/2022</a:t>
             </a:fld>
             <a:endParaRPr lang="LID4096"/>
           </a:p>
@@ -674,7 +679,7 @@
           <a:p>
             <a:fld id="{CE92E3B1-01F2-49CF-99E4-33D1FD180D62}" type="datetimeFigureOut">
               <a:rPr lang="LID4096" smtClean="0"/>
-              <a:t>12/19/2022</a:t>
+              <a:t>12/20/2022</a:t>
             </a:fld>
             <a:endParaRPr lang="LID4096"/>
           </a:p>
@@ -874,7 +879,7 @@
           <a:p>
             <a:fld id="{CE92E3B1-01F2-49CF-99E4-33D1FD180D62}" type="datetimeFigureOut">
               <a:rPr lang="LID4096" smtClean="0"/>
-              <a:t>12/19/2022</a:t>
+              <a:t>12/20/2022</a:t>
             </a:fld>
             <a:endParaRPr lang="LID4096"/>
           </a:p>
@@ -1150,7 +1155,7 @@
           <a:p>
             <a:fld id="{CE92E3B1-01F2-49CF-99E4-33D1FD180D62}" type="datetimeFigureOut">
               <a:rPr lang="LID4096" smtClean="0"/>
-              <a:t>12/19/2022</a:t>
+              <a:t>12/20/2022</a:t>
             </a:fld>
             <a:endParaRPr lang="LID4096"/>
           </a:p>
@@ -1418,7 +1423,7 @@
           <a:p>
             <a:fld id="{CE92E3B1-01F2-49CF-99E4-33D1FD180D62}" type="datetimeFigureOut">
               <a:rPr lang="LID4096" smtClean="0"/>
-              <a:t>12/19/2022</a:t>
+              <a:t>12/20/2022</a:t>
             </a:fld>
             <a:endParaRPr lang="LID4096"/>
           </a:p>
@@ -1833,7 +1838,7 @@
           <a:p>
             <a:fld id="{CE92E3B1-01F2-49CF-99E4-33D1FD180D62}" type="datetimeFigureOut">
               <a:rPr lang="LID4096" smtClean="0"/>
-              <a:t>12/19/2022</a:t>
+              <a:t>12/20/2022</a:t>
             </a:fld>
             <a:endParaRPr lang="LID4096"/>
           </a:p>
@@ -1975,7 +1980,7 @@
           <a:p>
             <a:fld id="{CE92E3B1-01F2-49CF-99E4-33D1FD180D62}" type="datetimeFigureOut">
               <a:rPr lang="LID4096" smtClean="0"/>
-              <a:t>12/19/2022</a:t>
+              <a:t>12/20/2022</a:t>
             </a:fld>
             <a:endParaRPr lang="LID4096"/>
           </a:p>
@@ -2088,7 +2093,7 @@
           <a:p>
             <a:fld id="{CE92E3B1-01F2-49CF-99E4-33D1FD180D62}" type="datetimeFigureOut">
               <a:rPr lang="LID4096" smtClean="0"/>
-              <a:t>12/19/2022</a:t>
+              <a:t>12/20/2022</a:t>
             </a:fld>
             <a:endParaRPr lang="LID4096"/>
           </a:p>
@@ -2401,7 +2406,7 @@
           <a:p>
             <a:fld id="{CE92E3B1-01F2-49CF-99E4-33D1FD180D62}" type="datetimeFigureOut">
               <a:rPr lang="LID4096" smtClean="0"/>
-              <a:t>12/19/2022</a:t>
+              <a:t>12/20/2022</a:t>
             </a:fld>
             <a:endParaRPr lang="LID4096"/>
           </a:p>
@@ -2690,7 +2695,7 @@
           <a:p>
             <a:fld id="{CE92E3B1-01F2-49CF-99E4-33D1FD180D62}" type="datetimeFigureOut">
               <a:rPr lang="LID4096" smtClean="0"/>
-              <a:t>12/19/2022</a:t>
+              <a:t>12/20/2022</a:t>
             </a:fld>
             <a:endParaRPr lang="LID4096"/>
           </a:p>
@@ -2933,7 +2938,7 @@
           <a:p>
             <a:fld id="{CE92E3B1-01F2-49CF-99E4-33D1FD180D62}" type="datetimeFigureOut">
               <a:rPr lang="LID4096" smtClean="0"/>
-              <a:t>12/19/2022</a:t>
+              <a:t>12/20/2022</a:t>
             </a:fld>
             <a:endParaRPr lang="LID4096"/>
           </a:p>
@@ -3611,42 +3616,6 @@
           </a:p>
         </p:txBody>
       </p:sp>
-      <p:pic>
-        <p:nvPicPr>
-          <p:cNvPr id="4" name="Picture 3" descr="Qr code&#10;&#10;Description automatically generated">
-            <a:extLst>
-              <a:ext uri="{FF2B5EF4-FFF2-40B4-BE49-F238E27FC236}">
-                <a16:creationId xmlns:a16="http://schemas.microsoft.com/office/drawing/2014/main" id="{BB7A8273-2A4B-42EB-835A-10609163F9E1}"/>
-              </a:ext>
-            </a:extLst>
-          </p:cNvPr>
-          <p:cNvPicPr>
-            <a:picLocks noChangeAspect="1"/>
-          </p:cNvPicPr>
-          <p:nvPr/>
-        </p:nvPicPr>
-        <p:blipFill>
-          <a:blip r:embed="rId2">
-            <a:extLst>
-              <a:ext uri="{28A0092B-C50C-407E-A947-70E740481C1C}">
-                <a14:useLocalDpi xmlns:a14="http://schemas.microsoft.com/office/drawing/2010/main" val="0"/>
-              </a:ext>
-            </a:extLst>
-          </a:blip>
-          <a:stretch>
-            <a:fillRect/>
-          </a:stretch>
-        </p:blipFill>
-        <p:spPr>
-          <a:xfrm>
-            <a:off x="3383949" y="199767"/>
-            <a:ext cx="5424102" cy="5424102"/>
-          </a:xfrm>
-          <a:prstGeom prst="rect">
-            <a:avLst/>
-          </a:prstGeom>
-        </p:spPr>
-      </p:pic>
       <p:sp>
         <p:nvSpPr>
           <p:cNvPr id="6" name="TextBox 5">
@@ -3677,9 +3646,9 @@
           <a:p>
             <a:r>
               <a:rPr lang="en-US" sz="3600" dirty="0">
-                <a:hlinkClick r:id="rId3"/>
+                <a:hlinkClick r:id="rId2"/>
               </a:rPr>
-              <a:t>https://bit.ly/36wH196</a:t>
+              <a:t>https://bit.ly/3W8KXoy</a:t>
             </a:r>
             <a:r>
               <a:rPr lang="en-US" sz="3600" dirty="0"/>
@@ -3688,6 +3657,36 @@
           </a:p>
         </p:txBody>
       </p:sp>
+      <p:pic>
+        <p:nvPicPr>
+          <p:cNvPr id="5" name="Picture 4">
+            <a:extLst>
+              <a:ext uri="{FF2B5EF4-FFF2-40B4-BE49-F238E27FC236}">
+                <a16:creationId xmlns:a16="http://schemas.microsoft.com/office/drawing/2014/main" id="{590170E4-3409-2E5E-6CA0-16C84BA6A2A1}"/>
+              </a:ext>
+            </a:extLst>
+          </p:cNvPr>
+          <p:cNvPicPr>
+            <a:picLocks noChangeAspect="1"/>
+          </p:cNvPicPr>
+          <p:nvPr/>
+        </p:nvPicPr>
+        <p:blipFill>
+          <a:blip r:embed="rId3"/>
+          <a:stretch>
+            <a:fillRect/>
+          </a:stretch>
+        </p:blipFill>
+        <p:spPr>
+          <a:xfrm>
+            <a:off x="3678678" y="595845"/>
+            <a:ext cx="4492556" cy="4492556"/>
+          </a:xfrm>
+          <a:prstGeom prst="rect">
+            <a:avLst/>
+          </a:prstGeom>
+        </p:spPr>
+      </p:pic>
     </p:spTree>
     <p:extLst>
       <p:ext uri="{BB962C8B-B14F-4D97-AF65-F5344CB8AC3E}">
@@ -6933,37 +6932,103 @@
         </p:nvSpPr>
         <p:spPr/>
         <p:txBody>
-          <a:bodyPr/>
+          <a:bodyPr>
+            <a:normAutofit fontScale="92500" lnSpcReduction="20000"/>
+          </a:bodyPr>
           <a:lstStyle/>
           <a:p>
             <a:r>
               <a:rPr lang="en-US" dirty="0"/>
               <a:t>Panel</a:t>
             </a:r>
+            <a:br>
+              <a:rPr lang="en-US" dirty="0"/>
+            </a:br>
+            <a:r>
+              <a:rPr lang="en-US" dirty="0">
+                <a:hlinkClick r:id="rId2"/>
+              </a:rPr>
+              <a:t>https://panel.holoviz.org/</a:t>
+            </a:r>
+            <a:r>
+              <a:rPr lang="en-US" dirty="0"/>
+              <a:t> </a:t>
+            </a:r>
           </a:p>
           <a:p>
             <a:r>
               <a:rPr lang="en-US" dirty="0" err="1"/>
-              <a:t>streamlit</a:t>
-            </a:r>
-            <a:endParaRPr lang="en-US" dirty="0"/>
+              <a:t>Streamlit</a:t>
+            </a:r>
+            <a:br>
+              <a:rPr lang="en-US" dirty="0"/>
+            </a:br>
+            <a:r>
+              <a:rPr lang="en-US" dirty="0">
+                <a:hlinkClick r:id="rId3"/>
+              </a:rPr>
+              <a:t>https://docs.streamlit.io/</a:t>
+            </a:r>
+            <a:r>
+              <a:rPr lang="en-US" dirty="0"/>
+              <a:t> </a:t>
+            </a:r>
           </a:p>
           <a:p>
             <a:r>
               <a:rPr lang="en-US" dirty="0"/>
               <a:t>Dash</a:t>
             </a:r>
+            <a:br>
+              <a:rPr lang="en-US" dirty="0"/>
+            </a:br>
+            <a:r>
+              <a:rPr lang="en-US" dirty="0">
+                <a:hlinkClick r:id="rId4"/>
+              </a:rPr>
+              <a:t>https://dash.plotly.com/</a:t>
+            </a:r>
+            <a:r>
+              <a:rPr lang="en-US" dirty="0"/>
+              <a:t> </a:t>
+            </a:r>
           </a:p>
           <a:p>
             <a:r>
               <a:rPr lang="en-US" dirty="0"/>
               <a:t>Altair</a:t>
             </a:r>
+            <a:br>
+              <a:rPr lang="en-US" dirty="0"/>
+            </a:br>
+            <a:r>
+              <a:rPr lang="en-US" dirty="0">
+                <a:hlinkClick r:id="rId5"/>
+              </a:rPr>
+              <a:t>https://altair-viz.github.io/</a:t>
+            </a:r>
+            <a:r>
+              <a:rPr lang="en-US" dirty="0"/>
+              <a:t> </a:t>
+            </a:r>
           </a:p>
           <a:p>
             <a:r>
               <a:rPr lang="en-US" dirty="0"/>
               <a:t>Bokeh</a:t>
+            </a:r>
+            <a:br>
+              <a:rPr lang="en-US" dirty="0"/>
+            </a:br>
+            <a:r>
+              <a:rPr lang="en-US" dirty="0">
+                <a:hlinkClick r:id="rId6"/>
+              </a:rPr>
+              <a:t>https://docs.bokeh.org/en/latest/</a:t>
+            </a:r>
+            <a:r>
+              <a:rPr lang="en-US" dirty="0"/>
+              <a:t> </a:t>
             </a:r>
           </a:p>
           <a:p>
@@ -6971,16 +7036,19 @@
               <a:rPr lang="en-US" dirty="0" err="1"/>
               <a:t>Plotly</a:t>
             </a:r>
-            <a:endParaRPr lang="en-US" dirty="0"/>
-          </a:p>
-          <a:p>
-            <a:r>
-              <a:rPr lang="en-US" dirty="0"/>
-              <a:t>Amazon EC2</a:t>
-            </a:r>
-          </a:p>
-          <a:p>
-            <a:endParaRPr lang="LID4096" dirty="0"/>
+            <a:br>
+              <a:rPr lang="en-US" dirty="0"/>
+            </a:br>
+            <a:r>
+              <a:rPr lang="en-US" dirty="0">
+                <a:hlinkClick r:id="rId7"/>
+              </a:rPr>
+              <a:t>https://plotly.com/python/</a:t>
+            </a:r>
+            <a:r>
+              <a:rPr lang="en-US" dirty="0"/>
+              <a:t> </a:t>
+            </a:r>
           </a:p>
         </p:txBody>
       </p:sp>

--- a/python_dashboards.pptx
+++ b/python_dashboards.pptx
@@ -269,7 +269,7 @@
           <a:p>
             <a:fld id="{CE92E3B1-01F2-49CF-99E4-33D1FD180D62}" type="datetimeFigureOut">
               <a:rPr lang="LID4096" smtClean="0"/>
-              <a:t>12/20/2022</a:t>
+              <a:t>04/10/2024</a:t>
             </a:fld>
             <a:endParaRPr lang="LID4096"/>
           </a:p>
@@ -469,7 +469,7 @@
           <a:p>
             <a:fld id="{CE92E3B1-01F2-49CF-99E4-33D1FD180D62}" type="datetimeFigureOut">
               <a:rPr lang="LID4096" smtClean="0"/>
-              <a:t>12/20/2022</a:t>
+              <a:t>04/10/2024</a:t>
             </a:fld>
             <a:endParaRPr lang="LID4096"/>
           </a:p>
@@ -679,7 +679,7 @@
           <a:p>
             <a:fld id="{CE92E3B1-01F2-49CF-99E4-33D1FD180D62}" type="datetimeFigureOut">
               <a:rPr lang="LID4096" smtClean="0"/>
-              <a:t>12/20/2022</a:t>
+              <a:t>04/10/2024</a:t>
             </a:fld>
             <a:endParaRPr lang="LID4096"/>
           </a:p>
@@ -879,7 +879,7 @@
           <a:p>
             <a:fld id="{CE92E3B1-01F2-49CF-99E4-33D1FD180D62}" type="datetimeFigureOut">
               <a:rPr lang="LID4096" smtClean="0"/>
-              <a:t>12/20/2022</a:t>
+              <a:t>04/10/2024</a:t>
             </a:fld>
             <a:endParaRPr lang="LID4096"/>
           </a:p>
@@ -1155,7 +1155,7 @@
           <a:p>
             <a:fld id="{CE92E3B1-01F2-49CF-99E4-33D1FD180D62}" type="datetimeFigureOut">
               <a:rPr lang="LID4096" smtClean="0"/>
-              <a:t>12/20/2022</a:t>
+              <a:t>04/10/2024</a:t>
             </a:fld>
             <a:endParaRPr lang="LID4096"/>
           </a:p>
@@ -1423,7 +1423,7 @@
           <a:p>
             <a:fld id="{CE92E3B1-01F2-49CF-99E4-33D1FD180D62}" type="datetimeFigureOut">
               <a:rPr lang="LID4096" smtClean="0"/>
-              <a:t>12/20/2022</a:t>
+              <a:t>04/10/2024</a:t>
             </a:fld>
             <a:endParaRPr lang="LID4096"/>
           </a:p>
@@ -1838,7 +1838,7 @@
           <a:p>
             <a:fld id="{CE92E3B1-01F2-49CF-99E4-33D1FD180D62}" type="datetimeFigureOut">
               <a:rPr lang="LID4096" smtClean="0"/>
-              <a:t>12/20/2022</a:t>
+              <a:t>04/10/2024</a:t>
             </a:fld>
             <a:endParaRPr lang="LID4096"/>
           </a:p>
@@ -1980,7 +1980,7 @@
           <a:p>
             <a:fld id="{CE92E3B1-01F2-49CF-99E4-33D1FD180D62}" type="datetimeFigureOut">
               <a:rPr lang="LID4096" smtClean="0"/>
-              <a:t>12/20/2022</a:t>
+              <a:t>04/10/2024</a:t>
             </a:fld>
             <a:endParaRPr lang="LID4096"/>
           </a:p>
@@ -2093,7 +2093,7 @@
           <a:p>
             <a:fld id="{CE92E3B1-01F2-49CF-99E4-33D1FD180D62}" type="datetimeFigureOut">
               <a:rPr lang="LID4096" smtClean="0"/>
-              <a:t>12/20/2022</a:t>
+              <a:t>04/10/2024</a:t>
             </a:fld>
             <a:endParaRPr lang="LID4096"/>
           </a:p>
@@ -2406,7 +2406,7 @@
           <a:p>
             <a:fld id="{CE92E3B1-01F2-49CF-99E4-33D1FD180D62}" type="datetimeFigureOut">
               <a:rPr lang="LID4096" smtClean="0"/>
-              <a:t>12/20/2022</a:t>
+              <a:t>04/10/2024</a:t>
             </a:fld>
             <a:endParaRPr lang="LID4096"/>
           </a:p>
@@ -2695,7 +2695,7 @@
           <a:p>
             <a:fld id="{CE92E3B1-01F2-49CF-99E4-33D1FD180D62}" type="datetimeFigureOut">
               <a:rPr lang="LID4096" smtClean="0"/>
-              <a:t>12/20/2022</a:t>
+              <a:t>04/10/2024</a:t>
             </a:fld>
             <a:endParaRPr lang="LID4096"/>
           </a:p>
@@ -2938,7 +2938,7 @@
           <a:p>
             <a:fld id="{CE92E3B1-01F2-49CF-99E4-33D1FD180D62}" type="datetimeFigureOut">
               <a:rPr lang="LID4096" smtClean="0"/>
-              <a:t>12/20/2022</a:t>
+              <a:t>04/10/2024</a:t>
             </a:fld>
             <a:endParaRPr lang="LID4096"/>
           </a:p>
